--- a/5200 Presentation1-2.pptx
+++ b/5200 Presentation1-2.pptx
@@ -621,7 +621,7 @@
           <a:p>
             <a:fld id="{C548DC90-F2CA-4220-99D8-F34460B9876D}" type="datetimeFigureOut">
               <a:rPr lang="en-US" smtClean="0"/>
-              <a:t>5/4/20</a:t>
+              <a:t>5/4/2020</a:t>
             </a:fld>
             <a:endParaRPr lang="en-US"/>
           </a:p>
@@ -819,7 +819,7 @@
           <a:p>
             <a:fld id="{C548DC90-F2CA-4220-99D8-F34460B9876D}" type="datetimeFigureOut">
               <a:rPr lang="en-US" smtClean="0"/>
-              <a:t>5/4/20</a:t>
+              <a:t>5/4/2020</a:t>
             </a:fld>
             <a:endParaRPr lang="en-US"/>
           </a:p>
@@ -1027,7 +1027,7 @@
           <a:p>
             <a:fld id="{C548DC90-F2CA-4220-99D8-F34460B9876D}" type="datetimeFigureOut">
               <a:rPr lang="en-US" smtClean="0"/>
-              <a:t>5/4/20</a:t>
+              <a:t>5/4/2020</a:t>
             </a:fld>
             <a:endParaRPr lang="en-US"/>
           </a:p>
@@ -1225,7 +1225,7 @@
           <a:p>
             <a:fld id="{C548DC90-F2CA-4220-99D8-F34460B9876D}" type="datetimeFigureOut">
               <a:rPr lang="en-US" smtClean="0"/>
-              <a:t>5/4/20</a:t>
+              <a:t>5/4/2020</a:t>
             </a:fld>
             <a:endParaRPr lang="en-US"/>
           </a:p>
@@ -1500,7 +1500,7 @@
           <a:p>
             <a:fld id="{C548DC90-F2CA-4220-99D8-F34460B9876D}" type="datetimeFigureOut">
               <a:rPr lang="en-US" smtClean="0"/>
-              <a:t>5/4/20</a:t>
+              <a:t>5/4/2020</a:t>
             </a:fld>
             <a:endParaRPr lang="en-US"/>
           </a:p>
@@ -1765,7 +1765,7 @@
           <a:p>
             <a:fld id="{C548DC90-F2CA-4220-99D8-F34460B9876D}" type="datetimeFigureOut">
               <a:rPr lang="en-US" smtClean="0"/>
-              <a:t>5/4/20</a:t>
+              <a:t>5/4/2020</a:t>
             </a:fld>
             <a:endParaRPr lang="en-US"/>
           </a:p>
@@ -2177,7 +2177,7 @@
           <a:p>
             <a:fld id="{C548DC90-F2CA-4220-99D8-F34460B9876D}" type="datetimeFigureOut">
               <a:rPr lang="en-US" smtClean="0"/>
-              <a:t>5/4/20</a:t>
+              <a:t>5/4/2020</a:t>
             </a:fld>
             <a:endParaRPr lang="en-US"/>
           </a:p>
@@ -2318,7 +2318,7 @@
           <a:p>
             <a:fld id="{C548DC90-F2CA-4220-99D8-F34460B9876D}" type="datetimeFigureOut">
               <a:rPr lang="en-US" smtClean="0"/>
-              <a:t>5/4/20</a:t>
+              <a:t>5/4/2020</a:t>
             </a:fld>
             <a:endParaRPr lang="en-US"/>
           </a:p>
@@ -2431,7 +2431,7 @@
           <a:p>
             <a:fld id="{C548DC90-F2CA-4220-99D8-F34460B9876D}" type="datetimeFigureOut">
               <a:rPr lang="en-US" smtClean="0"/>
-              <a:t>5/4/20</a:t>
+              <a:t>5/4/2020</a:t>
             </a:fld>
             <a:endParaRPr lang="en-US"/>
           </a:p>
@@ -2742,7 +2742,7 @@
           <a:p>
             <a:fld id="{C548DC90-F2CA-4220-99D8-F34460B9876D}" type="datetimeFigureOut">
               <a:rPr lang="en-US" smtClean="0"/>
-              <a:t>5/4/20</a:t>
+              <a:t>5/4/2020</a:t>
             </a:fld>
             <a:endParaRPr lang="en-US"/>
           </a:p>
@@ -3030,7 +3030,7 @@
           <a:p>
             <a:fld id="{C548DC90-F2CA-4220-99D8-F34460B9876D}" type="datetimeFigureOut">
               <a:rPr lang="en-US" smtClean="0"/>
-              <a:t>5/4/20</a:t>
+              <a:t>5/4/2020</a:t>
             </a:fld>
             <a:endParaRPr lang="en-US"/>
           </a:p>
@@ -3303,7 +3303,7 @@
           <a:p>
             <a:fld id="{C548DC90-F2CA-4220-99D8-F34460B9876D}" type="datetimeFigureOut">
               <a:rPr lang="en-US" smtClean="0"/>
-              <a:t>5/4/20</a:t>
+              <a:t>5/4/2020</a:t>
             </a:fld>
             <a:endParaRPr lang="en-US"/>
           </a:p>
@@ -3998,7 +3998,15 @@
             <a:pPr algn="ctr"/>
             <a:r>
               <a:rPr lang="en-US" dirty="0"/>
-              <a:t>Connect to Amazon AWS account using ssh command line interface to store and analyze data</a:t>
+              <a:t>Connect </a:t>
+            </a:r>
+            <a:r>
+              <a:rPr lang="en-US"/>
+              <a:t>to Oracle BCDE </a:t>
+            </a:r>
+            <a:r>
+              <a:rPr lang="en-US" dirty="0"/>
+              <a:t>account using ssh command line interface to store and analyze data</a:t>
             </a:r>
           </a:p>
         </p:txBody>

--- a/5200 Presentation1-2.pptx
+++ b/5200 Presentation1-2.pptx
@@ -3995,18 +3995,10 @@
           <a:bodyPr rtlCol="0" anchor="ctr"/>
           <a:lstStyle/>
           <a:p>
-            <a:pPr algn="ctr"/>
-            <a:r>
-              <a:rPr lang="en-US" dirty="0"/>
-              <a:t>Connect </a:t>
-            </a:r>
+            <a:pPr lvl="0"/>
             <a:r>
               <a:rPr lang="en-US"/>
-              <a:t>to Oracle BCDE </a:t>
-            </a:r>
-            <a:r>
-              <a:rPr lang="en-US" dirty="0"/>
-              <a:t>account using ssh command line interface to store and analyze data</a:t>
+              <a:t>Uploaded.csv file from local system to HDFS system using SCP command</a:t>
             </a:r>
           </a:p>
         </p:txBody>
@@ -4055,8 +4047,20 @@
             <a:pPr algn="ctr"/>
             <a:r>
               <a:rPr lang="en-US" dirty="0"/>
-              <a:t>Uploaded.csv file from local system to HDFS system using SCP command</a:t>
-            </a:r>
+              <a:t>Connect to Oracle BCDE account using </a:t>
+            </a:r>
+            <a:r>
+              <a:rPr lang="en-US" dirty="0" err="1"/>
+              <a:t>ssh</a:t>
+            </a:r>
+            <a:r>
+              <a:rPr lang="en-US" dirty="0"/>
+              <a:t> command line interface to store and analyze data</a:t>
+            </a:r>
+          </a:p>
+          <a:p>
+            <a:pPr algn="ctr"/>
+            <a:endParaRPr lang="en-US" dirty="0"/>
           </a:p>
         </p:txBody>
       </p:sp>
@@ -6277,7 +6281,7 @@
         </p:spPr>
         <p:txBody>
           <a:bodyPr>
-            <a:normAutofit fontScale="90000"/>
+            <a:normAutofit/>
           </a:bodyPr>
           <a:lstStyle/>
           <a:p>

--- a/5200 Presentation1-2.pptx
+++ b/5200 Presentation1-2.pptx
@@ -4017,8 +4017,8 @@
         </p:nvSpPr>
         <p:spPr>
           <a:xfrm>
-            <a:off x="8032653" y="2178731"/>
-            <a:ext cx="2546252" cy="1206305"/>
+            <a:off x="8032653" y="1925539"/>
+            <a:ext cx="2546252" cy="1459498"/>
           </a:xfrm>
           <a:prstGeom prst="rect">
             <a:avLst/>
@@ -4047,20 +4047,8 @@
             <a:pPr algn="ctr"/>
             <a:r>
               <a:rPr lang="en-US" dirty="0"/>
-              <a:t>Connect to Oracle BCDE account using </a:t>
-            </a:r>
-            <a:r>
-              <a:rPr lang="en-US" dirty="0" err="1"/>
-              <a:t>ssh</a:t>
-            </a:r>
-            <a:r>
-              <a:rPr lang="en-US" dirty="0"/>
-              <a:t> command line interface to store and analyze data</a:t>
-            </a:r>
-          </a:p>
-          <a:p>
-            <a:pPr algn="ctr"/>
-            <a:endParaRPr lang="en-US" dirty="0"/>
+              <a:t>Connect to Oracle BCDE account using SSH command line interface to store and analyze data</a:t>
+            </a:r>
           </a:p>
         </p:txBody>
       </p:sp>
@@ -4176,7 +4164,7 @@
         </p:nvSpPr>
         <p:spPr>
           <a:xfrm>
-            <a:off x="8088337" y="3823964"/>
+            <a:off x="8032653" y="3917041"/>
             <a:ext cx="2546252" cy="1206305"/>
           </a:xfrm>
           <a:prstGeom prst="rect">
@@ -4318,7 +4306,7 @@
         <p:spPr>
           <a:xfrm>
             <a:off x="9163050" y="3428999"/>
-            <a:ext cx="400050" cy="444080"/>
+            <a:ext cx="400050" cy="488042"/>
           </a:xfrm>
           <a:prstGeom prst="downArrow">
             <a:avLst/>
@@ -4441,6 +4429,100 @@
           </a:p>
         </p:txBody>
       </p:sp>
+      <p:pic>
+        <p:nvPicPr>
+          <p:cNvPr id="1026" name="Picture 2" descr="Apache Hive - Wikipedia">
+            <a:extLst>
+              <a:ext uri="{FF2B5EF4-FFF2-40B4-BE49-F238E27FC236}">
+                <a16:creationId xmlns:a16="http://schemas.microsoft.com/office/drawing/2014/main" id="{2819796A-7CBA-427A-8517-444DCA86B13D}"/>
+              </a:ext>
+            </a:extLst>
+          </p:cNvPr>
+          <p:cNvPicPr>
+            <a:picLocks noChangeAspect="1" noChangeArrowheads="1"/>
+          </p:cNvPicPr>
+          <p:nvPr/>
+        </p:nvPicPr>
+        <p:blipFill>
+          <a:blip r:embed="rId2">
+            <a:extLst>
+              <a:ext uri="{28A0092B-C50C-407E-A947-70E740481C1C}">
+                <a14:useLocalDpi xmlns:a14="http://schemas.microsoft.com/office/drawing/2010/main" val="0"/>
+              </a:ext>
+            </a:extLst>
+          </a:blip>
+          <a:srcRect/>
+          <a:stretch>
+            <a:fillRect/>
+          </a:stretch>
+        </p:blipFill>
+        <p:spPr bwMode="auto">
+          <a:xfrm>
+            <a:off x="8536708" y="5167309"/>
+            <a:ext cx="1758342" cy="1580282"/>
+          </a:xfrm>
+          <a:prstGeom prst="rect">
+            <a:avLst/>
+          </a:prstGeom>
+          <a:noFill/>
+          <a:extLst>
+            <a:ext uri="{909E8E84-426E-40DD-AFC4-6F175D3DCCD1}">
+              <a14:hiddenFill xmlns:a14="http://schemas.microsoft.com/office/drawing/2010/main">
+                <a:solidFill>
+                  <a:srgbClr val="FFFFFF"/>
+                </a:solidFill>
+              </a14:hiddenFill>
+            </a:ext>
+          </a:extLst>
+        </p:spPr>
+      </p:pic>
+      <p:pic>
+        <p:nvPicPr>
+          <p:cNvPr id="1028" name="Picture 4" descr="What Is Hadoop Cluster &amp; Ecosystem? - OpenCirrus">
+            <a:extLst>
+              <a:ext uri="{FF2B5EF4-FFF2-40B4-BE49-F238E27FC236}">
+                <a16:creationId xmlns:a16="http://schemas.microsoft.com/office/drawing/2014/main" id="{C77A5801-4E5A-4F28-9845-F590FCA03E6B}"/>
+              </a:ext>
+            </a:extLst>
+          </p:cNvPr>
+          <p:cNvPicPr>
+            <a:picLocks noChangeAspect="1" noChangeArrowheads="1"/>
+          </p:cNvPicPr>
+          <p:nvPr/>
+        </p:nvPicPr>
+        <p:blipFill>
+          <a:blip r:embed="rId3">
+            <a:extLst>
+              <a:ext uri="{28A0092B-C50C-407E-A947-70E740481C1C}">
+                <a14:useLocalDpi xmlns:a14="http://schemas.microsoft.com/office/drawing/2010/main" val="0"/>
+              </a:ext>
+            </a:extLst>
+          </a:blip>
+          <a:srcRect/>
+          <a:stretch>
+            <a:fillRect/>
+          </a:stretch>
+        </p:blipFill>
+        <p:spPr bwMode="auto">
+          <a:xfrm>
+            <a:off x="8375629" y="768349"/>
+            <a:ext cx="1860300" cy="1006392"/>
+          </a:xfrm>
+          <a:prstGeom prst="rect">
+            <a:avLst/>
+          </a:prstGeom>
+          <a:noFill/>
+          <a:extLst>
+            <a:ext uri="{909E8E84-426E-40DD-AFC4-6F175D3DCCD1}">
+              <a14:hiddenFill xmlns:a14="http://schemas.microsoft.com/office/drawing/2010/main">
+                <a:solidFill>
+                  <a:srgbClr val="FFFFFF"/>
+                </a:solidFill>
+              </a14:hiddenFill>
+            </a:ext>
+          </a:extLst>
+        </p:spPr>
+      </p:pic>
     </p:spTree>
     <p:extLst>
       <p:ext uri="{BB962C8B-B14F-4D97-AF65-F5344CB8AC3E}">
